--- a/발표자료/발표 피피티/11주차_발표피피티_four_elSe ver1.1.pptx
+++ b/발표자료/발표 피피티/11주차_발표피피티_four_elSe ver1.1.pptx
@@ -266,7 +266,7 @@
             <a:fld id="{13361362-2AA8-4DE4-A0D4-60D8EC3C3453}" type="datetimeFigureOut">
               <a:rPr lang="ko-KR" altLang="en-US" smtClean="0"/>
               <a:pPr/>
-              <a:t>2021-05-10</a:t>
+              <a:t>2021-05-11</a:t>
             </a:fld>
             <a:endParaRPr lang="ko-KR" altLang="en-US" dirty="0"/>
           </a:p>
@@ -433,7 +433,7 @@
             <a:fld id="{CD9E3518-7FD5-4940-B949-8EA134B4F936}" type="datetimeFigureOut">
               <a:rPr lang="ko-KR" altLang="en-US" smtClean="0"/>
               <a:pPr/>
-              <a:t>2021-05-10</a:t>
+              <a:t>2021-05-11</a:t>
             </a:fld>
             <a:endParaRPr lang="ko-KR" altLang="en-US" dirty="0"/>
           </a:p>
@@ -6518,7 +6518,7 @@
         </p:nvGrpSpPr>
         <p:grpSpPr>
           <a:xfrm>
-            <a:off x="369854" y="805577"/>
+            <a:off x="495671" y="2708920"/>
             <a:ext cx="7405997" cy="400110"/>
             <a:chOff x="447005" y="1003394"/>
             <a:chExt cx="7405997" cy="400110"/>
@@ -6559,7 +6559,7 @@
                 <a:defRPr/>
               </a:pPr>
               <a:r>
-                <a:rPr lang="en-US" altLang="ko-KR" sz="2000" b="1" kern="0" spc="-100">
+                <a:rPr lang="en-US" altLang="ko-KR" sz="2000" b="1" kern="0" spc="-100" dirty="0">
                   <a:gradFill>
                     <a:gsLst>
                       <a:gs pos="100000">
@@ -6580,7 +6580,7 @@
                 <a:t>feature map </a:t>
               </a:r>
               <a:r>
-                <a:rPr lang="ko-KR" altLang="en-US" sz="2000" b="1" kern="0" spc="-100">
+                <a:rPr lang="ko-KR" altLang="en-US" sz="2000" b="1" kern="0" spc="-100" dirty="0">
                   <a:gradFill>
                     <a:gsLst>
                       <a:gs pos="100000">
@@ -6600,24 +6600,6 @@
                 </a:rPr>
                 <a:t>추출</a:t>
               </a:r>
-              <a:endParaRPr lang="ko-KR" altLang="en-US" sz="2000" b="1" kern="0" spc="-100" dirty="0">
-                <a:gradFill>
-                  <a:gsLst>
-                    <a:gs pos="100000">
-                      <a:srgbClr val="0070C0"/>
-                    </a:gs>
-                    <a:gs pos="0">
-                      <a:srgbClr val="1F497D">
-                        <a:lumMod val="75000"/>
-                      </a:srgbClr>
-                    </a:gs>
-                  </a:gsLst>
-                  <a:lin ang="5400000" scaled="0"/>
-                </a:gradFill>
-                <a:latin typeface="+mj-ea"/>
-                <a:ea typeface="+mj-ea"/>
-                <a:cs typeface="Arial" panose="020B0604020202020204" pitchFamily="34" charset="0"/>
-              </a:endParaRPr>
             </a:p>
           </p:txBody>
         </p:sp>
@@ -6689,7 +6671,7 @@
         </p:nvGrpSpPr>
         <p:grpSpPr>
           <a:xfrm>
-            <a:off x="305524" y="2959908"/>
+            <a:off x="492808" y="930687"/>
             <a:ext cx="7405997" cy="400110"/>
             <a:chOff x="447005" y="1003394"/>
             <a:chExt cx="7405997" cy="400110"/>
@@ -6730,7 +6712,7 @@
                 <a:defRPr/>
               </a:pPr>
               <a:r>
-                <a:rPr lang="en-US" altLang="ko-KR" sz="2000" b="1" kern="0" spc="-100">
+                <a:rPr lang="en-US" altLang="ko-KR" sz="2000" b="1" kern="0" spc="-100" dirty="0">
                   <a:gradFill>
                     <a:gsLst>
                       <a:gs pos="100000">
@@ -6751,7 +6733,7 @@
                 <a:t>Annotation </a:t>
               </a:r>
               <a:r>
-                <a:rPr lang="ko-KR" altLang="en-US" sz="2000" b="1" kern="0" spc="-100">
+                <a:rPr lang="ko-KR" altLang="en-US" sz="2000" b="1" kern="0" spc="-100" dirty="0">
                   <a:gradFill>
                     <a:gsLst>
                       <a:gs pos="100000">
@@ -6771,24 +6753,6 @@
                 </a:rPr>
                 <a:t>진행 경과 </a:t>
               </a:r>
-              <a:endParaRPr lang="ko-KR" altLang="en-US" sz="2000" b="1" kern="0" spc="-100" dirty="0">
-                <a:gradFill>
-                  <a:gsLst>
-                    <a:gs pos="100000">
-                      <a:srgbClr val="0070C0"/>
-                    </a:gs>
-                    <a:gs pos="0">
-                      <a:srgbClr val="1F497D">
-                        <a:lumMod val="75000"/>
-                      </a:srgbClr>
-                    </a:gs>
-                  </a:gsLst>
-                  <a:lin ang="5400000" scaled="0"/>
-                </a:gradFill>
-                <a:latin typeface="+mj-ea"/>
-                <a:ea typeface="+mj-ea"/>
-                <a:cs typeface="Arial" panose="020B0604020202020204" pitchFamily="34" charset="0"/>
-              </a:endParaRPr>
             </a:p>
           </p:txBody>
         </p:sp>
@@ -6860,7 +6824,7 @@
         </p:nvSpPr>
         <p:spPr>
           <a:xfrm>
-            <a:off x="575851" y="1266497"/>
+            <a:off x="701668" y="3169840"/>
             <a:ext cx="7413362" cy="1477328"/>
           </a:xfrm>
           <a:prstGeom prst="rect">
@@ -6879,30 +6843,30 @@
               <a:buChar char="•"/>
             </a:pPr>
             <a:r>
-              <a:rPr lang="en-US" altLang="ko-KR"/>
+              <a:rPr lang="en-US" altLang="ko-KR" dirty="0"/>
               <a:t>annotation</a:t>
             </a:r>
             <a:r>
-              <a:rPr lang="ko-KR" altLang="en-US"/>
+              <a:rPr lang="ko-KR" altLang="en-US" dirty="0"/>
               <a:t>이 충분히 이루어지지 않아</a:t>
             </a:r>
             <a:r>
-              <a:rPr lang="en-US" altLang="ko-KR"/>
+              <a:rPr lang="en-US" altLang="ko-KR" dirty="0"/>
               <a:t>, </a:t>
             </a:r>
             <a:r>
-              <a:rPr lang="ko-KR" altLang="en-US"/>
+              <a:rPr lang="ko-KR" altLang="en-US" dirty="0"/>
               <a:t>먼저 </a:t>
             </a:r>
             <a:r>
-              <a:rPr lang="en-US" altLang="ko-KR"/>
+              <a:rPr lang="en-US" altLang="ko-KR" dirty="0"/>
               <a:t>MS COCO </a:t>
             </a:r>
             <a:r>
-              <a:rPr lang="ko-KR" altLang="en-US"/>
+              <a:rPr lang="ko-KR" altLang="en-US" dirty="0"/>
               <a:t>데이터셋에 대해 객체 탐지 및 유사 이미지 검색을 수행하려 함</a:t>
             </a:r>
-            <a:endParaRPr lang="en-US" altLang="ko-KR"/>
+            <a:endParaRPr lang="en-US" altLang="ko-KR" dirty="0"/>
           </a:p>
           <a:p>
             <a:pPr marL="285750" indent="-285750">
@@ -6910,30 +6874,42 @@
               <a:buChar char="•"/>
             </a:pPr>
             <a:r>
-              <a:rPr lang="en-US" altLang="ko-KR"/>
+              <a:rPr lang="en-US" altLang="ko-KR" dirty="0"/>
               <a:t>COCO </a:t>
             </a:r>
             <a:r>
-              <a:rPr lang="ko-KR" altLang="en-US"/>
+              <a:rPr lang="ko-KR" altLang="en-US" dirty="0"/>
               <a:t>데이터셋에 </a:t>
             </a:r>
             <a:r>
-              <a:rPr lang="en-US" altLang="ko-KR"/>
+              <a:rPr lang="en-US" altLang="ko-KR" dirty="0"/>
               <a:t>pretrained</a:t>
             </a:r>
             <a:r>
-              <a:rPr lang="ko-KR" altLang="en-US"/>
+              <a:rPr lang="ko-KR" altLang="en-US" dirty="0"/>
               <a:t>된 </a:t>
             </a:r>
             <a:r>
-              <a:rPr lang="en-US" altLang="ko-KR"/>
+              <a:rPr lang="en-US" altLang="ko-KR" dirty="0" err="1"/>
               <a:t>RetinaNet</a:t>
             </a:r>
             <a:r>
-              <a:rPr lang="ko-KR" altLang="en-US"/>
-              <a:t>을 이용하여 이미지의 피쳐맵을 뽑아내었음</a:t>
-            </a:r>
-            <a:endParaRPr lang="en-US" altLang="ko-KR"/>
+              <a:rPr lang="ko-KR" altLang="en-US" dirty="0"/>
+              <a:t>을 이용하여 이미지의 </a:t>
+            </a:r>
+            <a:r>
+              <a:rPr lang="ko-KR" altLang="en-US" dirty="0" err="1"/>
+              <a:t>피쳐맵을</a:t>
+            </a:r>
+            <a:r>
+              <a:rPr lang="ko-KR" altLang="en-US" dirty="0"/>
+              <a:t> </a:t>
+            </a:r>
+            <a:r>
+              <a:rPr lang="ko-KR" altLang="en-US" dirty="0" err="1"/>
+              <a:t>뽑아내었음</a:t>
+            </a:r>
+            <a:endParaRPr lang="en-US" altLang="ko-KR" dirty="0"/>
           </a:p>
           <a:p>
             <a:pPr marL="285750" indent="-285750">
@@ -6941,8 +6917,16 @@
               <a:buChar char="•"/>
             </a:pPr>
             <a:r>
-              <a:rPr lang="ko-KR" altLang="en-US"/>
-              <a:t>본래 의도했던 객체의 피쳐맵을 뽑아내는 것은 현재 진행중</a:t>
+              <a:rPr lang="ko-KR" altLang="en-US" dirty="0"/>
+              <a:t>본래 의도했던 객체의 </a:t>
+            </a:r>
+            <a:r>
+              <a:rPr lang="ko-KR" altLang="en-US" dirty="0" err="1"/>
+              <a:t>피쳐맵을</a:t>
+            </a:r>
+            <a:r>
+              <a:rPr lang="ko-KR" altLang="en-US" dirty="0"/>
+              <a:t> 뽑아내는 것은 현재 진행중</a:t>
             </a:r>
           </a:p>
         </p:txBody>
@@ -6961,7 +6945,7 @@
         </p:nvSpPr>
         <p:spPr>
           <a:xfrm>
-            <a:off x="557525" y="3326552"/>
+            <a:off x="680781" y="1313047"/>
             <a:ext cx="7413362" cy="1200329"/>
           </a:xfrm>
           <a:prstGeom prst="rect">
@@ -7065,6 +7049,83 @@
           </a:p>
         </p:txBody>
       </p:sp>
+      <p:pic>
+        <p:nvPicPr>
+          <p:cNvPr id="1028" name="Picture 4">
+            <a:extLst>
+              <a:ext uri="{FF2B5EF4-FFF2-40B4-BE49-F238E27FC236}">
+                <a16:creationId xmlns:a16="http://schemas.microsoft.com/office/drawing/2014/main" id="{DC095C4C-BB4C-48F7-855E-A3AEDD30D63A}"/>
+              </a:ext>
+            </a:extLst>
+          </p:cNvPr>
+          <p:cNvPicPr>
+            <a:picLocks noChangeAspect="1" noChangeArrowheads="1"/>
+          </p:cNvPicPr>
+          <p:nvPr/>
+        </p:nvPicPr>
+        <p:blipFill>
+          <a:blip r:embed="rId3" cstate="print">
+            <a:extLst>
+              <a:ext uri="{28A0092B-C50C-407E-A947-70E740481C1C}">
+                <a14:useLocalDpi xmlns:a14="http://schemas.microsoft.com/office/drawing/2010/main" val="0"/>
+              </a:ext>
+            </a:extLst>
+          </a:blip>
+          <a:srcRect/>
+          <a:stretch>
+            <a:fillRect/>
+          </a:stretch>
+        </p:blipFill>
+        <p:spPr bwMode="auto">
+          <a:xfrm>
+            <a:off x="4280475" y="4647168"/>
+            <a:ext cx="3672408" cy="1736106"/>
+          </a:xfrm>
+          <a:prstGeom prst="rect">
+            <a:avLst/>
+          </a:prstGeom>
+          <a:noFill/>
+          <a:extLst>
+            <a:ext uri="{909E8E84-426E-40DD-AFC4-6F175D3DCCD1}">
+              <a14:hiddenFill xmlns:a14="http://schemas.microsoft.com/office/drawing/2010/main">
+                <a:solidFill>
+                  <a:srgbClr val="FFFFFF"/>
+                </a:solidFill>
+              </a14:hiddenFill>
+            </a:ext>
+          </a:extLst>
+        </p:spPr>
+      </p:pic>
+      <p:pic>
+        <p:nvPicPr>
+          <p:cNvPr id="6" name="그림 5">
+            <a:extLst>
+              <a:ext uri="{FF2B5EF4-FFF2-40B4-BE49-F238E27FC236}">
+                <a16:creationId xmlns:a16="http://schemas.microsoft.com/office/drawing/2014/main" id="{9DB26D2F-592C-472E-BD32-74CF8EE60C4C}"/>
+              </a:ext>
+            </a:extLst>
+          </p:cNvPr>
+          <p:cNvPicPr>
+            <a:picLocks noChangeAspect="1"/>
+          </p:cNvPicPr>
+          <p:nvPr/>
+        </p:nvPicPr>
+        <p:blipFill>
+          <a:blip r:embed="rId4"/>
+          <a:stretch>
+            <a:fillRect/>
+          </a:stretch>
+        </p:blipFill>
+        <p:spPr>
+          <a:xfrm>
+            <a:off x="1442751" y="4727778"/>
+            <a:ext cx="2076464" cy="1631791"/>
+          </a:xfrm>
+          <a:prstGeom prst="rect">
+            <a:avLst/>
+          </a:prstGeom>
+        </p:spPr>
+      </p:pic>
     </p:spTree>
     <p:extLst>
       <p:ext uri="{BB962C8B-B14F-4D97-AF65-F5344CB8AC3E}">
@@ -7221,7 +7282,7 @@
                 <a:defRPr/>
               </a:pPr>
               <a:r>
-                <a:rPr lang="en-US" altLang="ko-KR" sz="2000" b="1" kern="0" spc="-100">
+                <a:rPr lang="en-US" altLang="ko-KR" sz="2000" b="1" kern="0" spc="-100" dirty="0">
                   <a:gradFill>
                     <a:gsLst>
                       <a:gs pos="100000">
@@ -7242,7 +7303,7 @@
                 <a:t>detection output </a:t>
               </a:r>
               <a:r>
-                <a:rPr lang="ko-KR" altLang="en-US" sz="2000" b="1" kern="0" spc="-100">
+                <a:rPr lang="ko-KR" altLang="en-US" sz="2000" b="1" kern="0" spc="-100" dirty="0">
                   <a:gradFill>
                     <a:gsLst>
                       <a:gs pos="100000">
@@ -7262,24 +7323,6 @@
                 </a:rPr>
                 <a:t>출력 정의</a:t>
               </a:r>
-              <a:endParaRPr lang="ko-KR" altLang="en-US" sz="2000" b="1" kern="0" spc="-100" dirty="0">
-                <a:gradFill>
-                  <a:gsLst>
-                    <a:gs pos="100000">
-                      <a:srgbClr val="0070C0"/>
-                    </a:gs>
-                    <a:gs pos="0">
-                      <a:srgbClr val="1F497D">
-                        <a:lumMod val="75000"/>
-                      </a:srgbClr>
-                    </a:gs>
-                  </a:gsLst>
-                  <a:lin ang="5400000" scaled="0"/>
-                </a:gradFill>
-                <a:latin typeface="+mj-ea"/>
-                <a:ea typeface="+mj-ea"/>
-                <a:cs typeface="Arial" panose="020B0604020202020204" pitchFamily="34" charset="0"/>
-              </a:endParaRPr>
             </a:p>
           </p:txBody>
         </p:sp>
@@ -7986,8 +8029,8 @@
         </p:nvCxnSpPr>
         <p:spPr>
           <a:xfrm flipH="1">
-            <a:off x="1610689" y="1155065"/>
-            <a:ext cx="3825407" cy="858293"/>
+            <a:off x="1907704" y="1155065"/>
+            <a:ext cx="3528393" cy="1265823"/>
           </a:xfrm>
           <a:prstGeom prst="straightConnector1">
             <a:avLst/>
@@ -8029,9 +8072,9 @@
           <p:nvPr/>
         </p:nvCxnSpPr>
         <p:spPr>
-          <a:xfrm flipH="1" flipV="1">
-            <a:off x="2801923" y="1996581"/>
-            <a:ext cx="2634173" cy="108716"/>
+          <a:xfrm flipH="1">
+            <a:off x="3131840" y="2105297"/>
+            <a:ext cx="2304257" cy="531615"/>
           </a:xfrm>
           <a:prstGeom prst="straightConnector1">
             <a:avLst/>
@@ -8662,14 +8705,14 @@
                 <a:buChar char="•"/>
               </a:pPr>
               <a:r>
-                <a:rPr lang="en-US" altLang="ko-KR" sz="1000" b="1" spc="-60"/>
+                <a:rPr lang="en-US" altLang="ko-KR" sz="1000" b="1" spc="-60" dirty="0"/>
                 <a:t>GPU</a:t>
               </a:r>
               <a:r>
-                <a:rPr lang="ko-KR" altLang="en-US" sz="1000" b="1" spc="-60"/>
+                <a:rPr lang="ko-KR" altLang="en-US" sz="1000" b="1" spc="-60" dirty="0"/>
                 <a:t>를 사용하여 빠른 연산 가능</a:t>
               </a:r>
-              <a:endParaRPr lang="en-US" altLang="ko-KR" sz="1000" b="1" spc="-60"/>
+              <a:endParaRPr lang="en-US" altLang="ko-KR" sz="1000" b="1" spc="-60" dirty="0"/>
             </a:p>
             <a:p>
               <a:pPr indent="-315913">
@@ -8680,26 +8723,30 @@
                 <a:buChar char="•"/>
               </a:pPr>
               <a:r>
-                <a:rPr lang="ko-KR" altLang="en-US" sz="1000" b="1" spc="-60"/>
+                <a:rPr lang="ko-KR" altLang="en-US" sz="1000" b="1" spc="-60" dirty="0"/>
                 <a:t>모양이나</a:t>
               </a:r>
               <a:r>
-                <a:rPr lang="en-US" altLang="ko-KR" sz="1000" b="1" spc="-60"/>
+                <a:rPr lang="en-US" altLang="ko-KR" sz="1000" b="1" spc="-60" dirty="0"/>
                 <a:t> </a:t>
               </a:r>
               <a:r>
-                <a:rPr lang="ko-KR" altLang="en-US" sz="1000" b="1" spc="-60"/>
+                <a:rPr lang="ko-KR" altLang="en-US" sz="1000" b="1" spc="-60" dirty="0"/>
                 <a:t>질감</a:t>
               </a:r>
               <a:r>
-                <a:rPr lang="en-US" altLang="ko-KR" sz="1000" b="1" spc="-60"/>
+                <a:rPr lang="en-US" altLang="ko-KR" sz="1000" b="1" spc="-60" dirty="0"/>
                 <a:t>, </a:t>
               </a:r>
               <a:r>
-                <a:rPr lang="ko-KR" altLang="en-US" sz="1000" b="1" spc="-60"/>
-                <a:t>색깔등의  축으로 축소가 가능</a:t>
+                <a:rPr lang="ko-KR" altLang="en-US" sz="1000" b="1" spc="-60" dirty="0" err="1"/>
+                <a:t>색깔등의</a:t>
               </a:r>
-              <a:endParaRPr lang="en-US" altLang="ko-KR" sz="1000" b="1" spc="-60"/>
+              <a:r>
+                <a:rPr lang="ko-KR" altLang="en-US" sz="1000" b="1" spc="-60" dirty="0"/>
+                <a:t>  축으로 축소가 가능</a:t>
+              </a:r>
+              <a:endParaRPr lang="en-US" altLang="ko-KR" sz="1000" b="1" spc="-60" dirty="0"/>
             </a:p>
             <a:p>
               <a:pPr indent="-315913">
@@ -8710,19 +8757,23 @@
                 <a:buChar char="•"/>
               </a:pPr>
               <a:r>
-                <a:rPr lang="ko-KR" altLang="en-US" sz="1000" b="1" spc="-60"/>
-                <a:t>피쳐맵 추출부터 차원축소까지 </a:t>
+                <a:rPr lang="ko-KR" altLang="en-US" sz="1000" b="1" spc="-60" dirty="0" err="1"/>
+                <a:t>피쳐맵</a:t>
               </a:r>
               <a:r>
-                <a:rPr lang="en-US" altLang="ko-KR" sz="1000" b="1" spc="-60"/>
+                <a:rPr lang="ko-KR" altLang="en-US" sz="1000" b="1" spc="-60" dirty="0"/>
+                <a:t> 추출부터 차원축소까지 </a:t>
+              </a:r>
+              <a:r>
+                <a:rPr lang="en-US" altLang="ko-KR" sz="1000" b="1" spc="-60" dirty="0"/>
                 <a:t>one-stage</a:t>
               </a:r>
               <a:r>
-                <a:rPr lang="ko-KR" altLang="en-US" sz="1000" b="1" spc="-60"/>
+                <a:rPr lang="ko-KR" altLang="en-US" sz="1000" b="1" spc="-60" dirty="0"/>
                 <a:t>에 처리할 수 있음</a:t>
               </a:r>
               <a:r>
-                <a:rPr lang="en-US" altLang="ko-KR" sz="1000" b="1" spc="-60"/>
+                <a:rPr lang="en-US" altLang="ko-KR" sz="1000" b="1" spc="-60" dirty="0"/>
                 <a:t>.</a:t>
               </a:r>
             </a:p>
@@ -8761,10 +8812,10 @@
         </p:nvGrpSpPr>
         <p:grpSpPr>
           <a:xfrm>
-            <a:off x="4683253" y="1452409"/>
-            <a:ext cx="4315152" cy="1264338"/>
+            <a:off x="4505277" y="1455549"/>
+            <a:ext cx="4315152" cy="1550022"/>
             <a:chOff x="251520" y="1547521"/>
-            <a:chExt cx="4245155" cy="1899429"/>
+            <a:chExt cx="4245155" cy="2350061"/>
           </a:xfrm>
         </p:grpSpPr>
         <p:sp>
@@ -8781,8 +8832,8 @@
           </p:nvSpPr>
           <p:spPr>
             <a:xfrm>
-              <a:off x="326371" y="1571097"/>
-              <a:ext cx="4170304" cy="1641879"/>
+              <a:off x="326371" y="1571096"/>
+              <a:ext cx="4170304" cy="1872138"/>
             </a:xfrm>
             <a:prstGeom prst="roundRect">
               <a:avLst>
@@ -9007,8 +9058,8 @@
           </p:nvSpPr>
           <p:spPr>
             <a:xfrm>
-              <a:off x="251520" y="1998155"/>
-              <a:ext cx="4163798" cy="1448795"/>
+              <a:off x="251520" y="1998153"/>
+              <a:ext cx="4163798" cy="1899429"/>
             </a:xfrm>
             <a:prstGeom prst="rect">
               <a:avLst/>
@@ -9029,18 +9080,18 @@
                 <a:buChar char="•"/>
               </a:pPr>
               <a:r>
-                <a:rPr lang="ko-KR" altLang="en-US" sz="1000" b="1" spc="-60"/>
+                <a:rPr lang="ko-KR" altLang="en-US" sz="1000" b="1" spc="-60" dirty="0"/>
                 <a:t>차원축소 후</a:t>
               </a:r>
               <a:r>
-                <a:rPr lang="en-US" altLang="ko-KR" sz="1000" b="1" spc="-60"/>
+                <a:rPr lang="en-US" altLang="ko-KR" sz="1000" b="1" spc="-60" dirty="0"/>
                 <a:t>, </a:t>
               </a:r>
               <a:r>
-                <a:rPr lang="ko-KR" altLang="en-US" sz="1000" b="1" spc="-60"/>
+                <a:rPr lang="ko-KR" altLang="en-US" sz="1000" b="1" spc="-60" dirty="0"/>
                 <a:t>군집 알고리즘 활용 </a:t>
               </a:r>
-              <a:endParaRPr lang="en-US" altLang="ko-KR" sz="1000" b="1" spc="-60"/>
+              <a:endParaRPr lang="en-US" altLang="ko-KR" sz="1000" b="1" spc="-60" dirty="0"/>
             </a:p>
             <a:p>
               <a:pPr indent="-315913">
@@ -9051,15 +9102,15 @@
                 <a:buChar char="•"/>
               </a:pPr>
               <a:r>
-                <a:rPr lang="en-US" altLang="ko-KR" sz="1000" b="1" spc="-60"/>
+                <a:rPr lang="en-US" altLang="ko-KR" sz="1000" b="1" spc="-60" dirty="0"/>
                 <a:t>whitening(</a:t>
               </a:r>
               <a:r>
-                <a:rPr lang="ko-KR" altLang="en-US" sz="1000" b="1" spc="-60"/>
+                <a:rPr lang="ko-KR" altLang="en-US" sz="1000" b="1" spc="-60" dirty="0"/>
                 <a:t>축소 후 축에서의 </a:t>
               </a:r>
               <a:r>
-                <a:rPr lang="en-US" altLang="ko-KR" sz="1000" b="1" spc="-60"/>
+                <a:rPr lang="en-US" altLang="ko-KR" sz="1000" b="1" spc="-60" dirty="0"/>
                 <a:t>scaling)</a:t>
               </a:r>
             </a:p>
@@ -9072,26 +9123,26 @@
                 <a:buChar char="•"/>
               </a:pPr>
               <a:r>
-                <a:rPr lang="ko-KR" altLang="en-US" sz="1000" b="1" spc="-60"/>
+                <a:rPr lang="ko-KR" altLang="en-US" sz="1000" b="1" spc="-60" dirty="0"/>
                 <a:t>군집을 통해 </a:t>
               </a:r>
               <a:r>
-                <a:rPr lang="en-US" altLang="ko-KR" sz="1000" b="1" spc="-60"/>
+                <a:rPr lang="en-US" altLang="ko-KR" sz="1000" b="1" spc="-60" dirty="0"/>
                 <a:t>unlabeled data</a:t>
               </a:r>
               <a:r>
-                <a:rPr lang="ko-KR" altLang="en-US" sz="1000" b="1" spc="-60"/>
+                <a:rPr lang="ko-KR" altLang="en-US" sz="1000" b="1" spc="-60" dirty="0"/>
                 <a:t>에 대해서도 </a:t>
               </a:r>
               <a:r>
-                <a:rPr lang="en-US" altLang="ko-KR" sz="1000" b="1" spc="-60"/>
+                <a:rPr lang="en-US" altLang="ko-KR" sz="1000" b="1" spc="-60" dirty="0"/>
                 <a:t>labeling</a:t>
               </a:r>
               <a:r>
-                <a:rPr lang="ko-KR" altLang="en-US" sz="1000" b="1" spc="-60"/>
+                <a:rPr lang="ko-KR" altLang="en-US" sz="1000" b="1" spc="-60" dirty="0"/>
                 <a:t>할 수 있을 것</a:t>
               </a:r>
-              <a:endParaRPr lang="en-US" altLang="ko-KR" sz="1000" b="1" spc="-60"/>
+              <a:endParaRPr lang="en-US" altLang="ko-KR" sz="1000" b="1" spc="-60" dirty="0"/>
             </a:p>
             <a:p>
               <a:pPr indent="-315913">
@@ -9101,7 +9152,7 @@
                 <a:buFont typeface="Arial" panose="020B0604020202020204" pitchFamily="34" charset="0"/>
                 <a:buChar char="•"/>
               </a:pPr>
-              <a:endParaRPr lang="en-US" altLang="ko-KR" sz="1000" b="1" spc="-60"/>
+              <a:endParaRPr lang="en-US" altLang="ko-KR" sz="1000" b="1" spc="-60" dirty="0"/>
             </a:p>
             <a:p>
               <a:pPr>
@@ -9934,7 +9985,10 @@
           <a:lstStyle/>
           <a:p>
             <a:pPr algn="ctr"/>
-            <a:endParaRPr lang="ko-KR" altLang="en-US" sz="1200" b="1" spc="-80" dirty="0"/>
+            <a:r>
+              <a:rPr lang="ko-KR" altLang="en-US" sz="1200" b="1" spc="-80" dirty="0"/>
+              <a:t>제안하려는 모델</a:t>
+            </a:r>
           </a:p>
         </p:txBody>
       </p:sp>
@@ -9953,7 +10007,7 @@
         <p:spPr>
           <a:xfrm>
             <a:off x="4773937" y="4613174"/>
-            <a:ext cx="3777832" cy="1678408"/>
+            <a:ext cx="3777832" cy="1909241"/>
           </a:xfrm>
           <a:prstGeom prst="rect">
             <a:avLst/>
@@ -9974,12 +10028,36 @@
               <a:buChar char="•"/>
             </a:pPr>
             <a:r>
-              <a:rPr lang="ko-KR" altLang="en-US" sz="1000" b="1" spc="-60">
+              <a:rPr lang="ko-KR" altLang="en-US" sz="1000" b="1" spc="-60" dirty="0">
                 <a:latin typeface="+mn-ea"/>
               </a:rPr>
-              <a:t>이미지 상에서의 객체의 피쳐맵을 추출할 수 있음</a:t>
-            </a:r>
-            <a:endParaRPr lang="en-US" altLang="ko-KR" sz="1000" b="1" spc="-60">
+              <a:t>객체의 위치와 크기로 객체를 특정하고</a:t>
+            </a:r>
+            <a:r>
+              <a:rPr lang="en-US" altLang="ko-KR" sz="1000" b="1" spc="-60" dirty="0">
+                <a:latin typeface="+mn-ea"/>
+              </a:rPr>
+              <a:t>, </a:t>
+            </a:r>
+            <a:r>
+              <a:rPr lang="ko-KR" altLang="en-US" sz="1000" b="1" spc="-60" dirty="0">
+                <a:latin typeface="+mn-ea"/>
+              </a:rPr>
+              <a:t>그 부분만 잘라낸 후 동일한 </a:t>
+            </a:r>
+            <a:r>
+              <a:rPr lang="en-US" altLang="ko-KR" sz="1000" b="1" spc="-60" dirty="0">
+                <a:latin typeface="+mn-ea"/>
+              </a:rPr>
+              <a:t>shape</a:t>
+            </a:r>
+            <a:r>
+              <a:rPr lang="ko-KR" altLang="en-US" sz="1000" b="1" spc="-60" dirty="0">
+                <a:latin typeface="+mn-ea"/>
+              </a:rPr>
+              <a:t>를 갖도록 균일화</a:t>
+            </a:r>
+            <a:endParaRPr lang="en-US" altLang="ko-KR" sz="1000" b="1" spc="-60" dirty="0">
               <a:latin typeface="+mn-ea"/>
             </a:endParaRPr>
           </a:p>
@@ -9992,24 +10070,30 @@
               <a:buChar char="•"/>
             </a:pPr>
             <a:r>
-              <a:rPr lang="ko-KR" altLang="en-US" sz="1000" b="1" spc="-60">
+              <a:rPr lang="ko-KR" altLang="en-US" sz="1000" b="1" spc="-60" dirty="0" err="1">
                 <a:latin typeface="+mn-ea"/>
               </a:rPr>
-              <a:t>객체의 피쳐맵이 모두 동일한 </a:t>
-            </a:r>
-            <a:r>
-              <a:rPr lang="en-US" altLang="ko-KR" sz="1000" b="1" spc="-60">
+              <a:t>균일화된</a:t>
+            </a:r>
+            <a:r>
+              <a:rPr lang="ko-KR" altLang="en-US" sz="1000" b="1" spc="-60" dirty="0">
                 <a:latin typeface="+mn-ea"/>
               </a:rPr>
-              <a:t>shape</a:t>
-            </a:r>
-            <a:r>
-              <a:rPr lang="ko-KR" altLang="en-US" sz="1000" b="1" spc="-60">
+              <a:t> 객체에서 </a:t>
+            </a:r>
+            <a:r>
+              <a:rPr lang="ko-KR" altLang="en-US" sz="1000" b="1" spc="-60" dirty="0" err="1">
                 <a:latin typeface="+mn-ea"/>
               </a:rPr>
-              <a:t>를 가지도록 균일화</a:t>
-            </a:r>
-            <a:endParaRPr lang="en-US" altLang="ko-KR" sz="1000" b="1" spc="-60">
+              <a:t>피쳐맵</a:t>
+            </a:r>
+            <a:r>
+              <a:rPr lang="ko-KR" altLang="en-US" sz="1000" b="1" spc="-60" dirty="0">
+                <a:latin typeface="+mn-ea"/>
+              </a:rPr>
+              <a:t> 추출</a:t>
+            </a:r>
+            <a:endParaRPr lang="en-US" altLang="ko-KR" sz="1000" b="1" spc="-60" dirty="0">
               <a:latin typeface="+mn-ea"/>
             </a:endParaRPr>
           </a:p>
@@ -10022,16 +10106,22 @@
               <a:buChar char="•"/>
             </a:pPr>
             <a:r>
-              <a:rPr lang="ko-KR" altLang="en-US" sz="1000" b="1" spc="-60">
+              <a:rPr lang="ko-KR" altLang="en-US" sz="1000" b="1" spc="-60" dirty="0">
                 <a:latin typeface="+mn-ea"/>
               </a:rPr>
-              <a:t>한 이미지 상의 여러 객체에 대해서</a:t>
-            </a:r>
-            <a:r>
-              <a:rPr lang="en-US" altLang="ko-KR" sz="1000" b="1" spc="-60">
+              <a:t>이런 방식으로 각각의 객체에 대한 </a:t>
+            </a:r>
+            <a:r>
+              <a:rPr lang="ko-KR" altLang="en-US" sz="1000" b="1" spc="-60" dirty="0" err="1">
                 <a:latin typeface="+mn-ea"/>
               </a:rPr>
-              <a:t>, </a:t>
+              <a:t>피쳐맵을</a:t>
+            </a:r>
+            <a:r>
+              <a:rPr lang="ko-KR" altLang="en-US" sz="1000" b="1" spc="-60" dirty="0">
+                <a:latin typeface="+mn-ea"/>
+              </a:rPr>
+              <a:t> 얻을 수 있을 것</a:t>
             </a:r>
             <a:endParaRPr lang="en-US" altLang="ko-KR" sz="1000" b="1" spc="-60" dirty="0">
               <a:latin typeface="+mn-ea"/>
@@ -10117,67 +10207,6 @@
       </p:grpSpPr>
       <p:sp>
         <p:nvSpPr>
-          <p:cNvPr id="22" name="직사각형 21">
-            <a:extLst>
-              <a:ext uri="{FF2B5EF4-FFF2-40B4-BE49-F238E27FC236}">
-                <a16:creationId xmlns:a16="http://schemas.microsoft.com/office/drawing/2014/main" id="{D49DB1E9-D1DD-4935-ADF4-6A8F36582955}"/>
-              </a:ext>
-            </a:extLst>
-          </p:cNvPr>
-          <p:cNvSpPr/>
-          <p:nvPr/>
-        </p:nvSpPr>
-        <p:spPr>
-          <a:xfrm>
-            <a:off x="4639545" y="1263605"/>
-            <a:ext cx="4178876" cy="2237403"/>
-          </a:xfrm>
-          <a:prstGeom prst="rect">
-            <a:avLst/>
-          </a:prstGeom>
-          <a:solidFill>
-            <a:schemeClr val="bg1"/>
-          </a:solidFill>
-          <a:ln w="3175">
-            <a:solidFill>
-              <a:schemeClr val="tx1"/>
-            </a:solidFill>
-          </a:ln>
-          <a:effectLst>
-            <a:outerShdw blurRad="50800" dist="38100" dir="5400000" algn="t" rotWithShape="0">
-              <a:prstClr val="black">
-                <a:alpha val="40000"/>
-              </a:prstClr>
-            </a:outerShdw>
-          </a:effectLst>
-        </p:spPr>
-        <p:style>
-          <a:lnRef idx="2">
-            <a:schemeClr val="accent1">
-              <a:shade val="50000"/>
-            </a:schemeClr>
-          </a:lnRef>
-          <a:fillRef idx="1">
-            <a:schemeClr val="accent1"/>
-          </a:fillRef>
-          <a:effectRef idx="0">
-            <a:schemeClr val="accent1"/>
-          </a:effectRef>
-          <a:fontRef idx="minor">
-            <a:schemeClr val="lt1"/>
-          </a:fontRef>
-        </p:style>
-        <p:txBody>
-          <a:bodyPr rtlCol="0" anchor="ctr"/>
-          <a:lstStyle/>
-          <a:p>
-            <a:pPr algn="ctr"/>
-            <a:endParaRPr lang="ko-KR" altLang="en-US" dirty="0"/>
-          </a:p>
-        </p:txBody>
-      </p:sp>
-      <p:sp>
-        <p:nvSpPr>
           <p:cNvPr id="2" name="제목 1">
             <a:extLst>
               <a:ext uri="{FF2B5EF4-FFF2-40B4-BE49-F238E27FC236}">
@@ -10199,15 +10228,15 @@
           <a:p>
             <a:r>
               <a:rPr lang="en-US" altLang="ko-KR" dirty="0"/>
-              <a:t>3</a:t>
-            </a:r>
-            <a:r>
-              <a:rPr lang="en-US" altLang="ko-KR"/>
-              <a:t>. </a:t>
-            </a:r>
-            <a:r>
-              <a:rPr lang="ko-KR" altLang="en-US"/>
-              <a:t>향후 진행상황</a:t>
+              <a:t>3. </a:t>
+            </a:r>
+            <a:r>
+              <a:rPr lang="ko-KR" altLang="en-US" dirty="0"/>
+              <a:t>향후 </a:t>
+            </a:r>
+            <a:r>
+              <a:rPr lang="ko-KR" altLang="en-US" dirty="0" err="1"/>
+              <a:t>진행사황</a:t>
             </a:r>
             <a:endParaRPr lang="ko-KR" altLang="en-US" dirty="0"/>
           </a:p>
@@ -10251,140 +10280,322 @@
           </a:p>
         </p:txBody>
       </p:sp>
-      <p:sp>
-        <p:nvSpPr>
-          <p:cNvPr id="14" name="직사각형 13">
+      <p:grpSp>
+        <p:nvGrpSpPr>
+          <p:cNvPr id="17" name="그룹 16">
             <a:extLst>
               <a:ext uri="{FF2B5EF4-FFF2-40B4-BE49-F238E27FC236}">
-                <a16:creationId xmlns:a16="http://schemas.microsoft.com/office/drawing/2014/main" id="{AACBD92D-ED52-43B1-A5C3-3DBE708B7298}"/>
+                <a16:creationId xmlns:a16="http://schemas.microsoft.com/office/drawing/2014/main" id="{BF01AA0B-2EA7-4B47-B3D8-DA2DC66E360A}"/>
               </a:ext>
             </a:extLst>
           </p:cNvPr>
-          <p:cNvSpPr/>
+          <p:cNvGrpSpPr/>
           <p:nvPr/>
-        </p:nvSpPr>
-        <p:spPr>
+        </p:nvGrpSpPr>
+        <p:grpSpPr>
           <a:xfrm>
-            <a:off x="393124" y="1263605"/>
-            <a:ext cx="4178876" cy="2237403"/>
+            <a:off x="326153" y="746636"/>
+            <a:ext cx="7392856" cy="400110"/>
+            <a:chOff x="447005" y="993926"/>
+            <a:chExt cx="7392856" cy="400110"/>
+          </a:xfrm>
+        </p:grpSpPr>
+        <p:sp>
+          <p:nvSpPr>
+            <p:cNvPr id="19" name="직사각형 18">
+              <a:extLst>
+                <a:ext uri="{FF2B5EF4-FFF2-40B4-BE49-F238E27FC236}">
+                  <a16:creationId xmlns:a16="http://schemas.microsoft.com/office/drawing/2014/main" id="{818D4AED-855E-49DC-91EA-1F077FB23356}"/>
+                </a:ext>
+              </a:extLst>
+            </p:cNvPr>
+            <p:cNvSpPr/>
+            <p:nvPr/>
+          </p:nvSpPr>
+          <p:spPr>
+            <a:xfrm>
+              <a:off x="639861" y="993926"/>
+              <a:ext cx="7200000" cy="400110"/>
+            </a:xfrm>
+            <a:prstGeom prst="rect">
+              <a:avLst/>
+            </a:prstGeom>
+          </p:spPr>
+          <p:txBody>
+            <a:bodyPr wrap="square">
+              <a:spAutoFit/>
+            </a:bodyPr>
+            <a:lstStyle/>
+            <a:p>
+              <a:pPr defTabSz="1330325">
+                <a:spcAft>
+                  <a:spcPts val="600"/>
+                </a:spcAft>
+                <a:buSzPct val="100000"/>
+                <a:defRPr/>
+              </a:pPr>
+              <a:r>
+                <a:rPr lang="en-US" altLang="ko-KR" sz="2000" b="1" kern="0" spc="-100" dirty="0" err="1">
+                  <a:gradFill>
+                    <a:gsLst>
+                      <a:gs pos="100000">
+                        <a:srgbClr val="0070C0"/>
+                      </a:gs>
+                      <a:gs pos="0">
+                        <a:srgbClr val="1F497D">
+                          <a:lumMod val="75000"/>
+                        </a:srgbClr>
+                      </a:gs>
+                    </a:gsLst>
+                    <a:lin ang="5400000" scaled="0"/>
+                  </a:gradFill>
+                  <a:latin typeface="+mj-ea"/>
+                  <a:ea typeface="+mj-ea"/>
+                  <a:cs typeface="Arial" panose="020B0604020202020204" pitchFamily="34" charset="0"/>
+                </a:rPr>
+                <a:t>RetinaNet</a:t>
+              </a:r>
+              <a:r>
+                <a:rPr lang="en-US" altLang="ko-KR" sz="2000" b="1" kern="0" spc="-100" dirty="0">
+                  <a:gradFill>
+                    <a:gsLst>
+                      <a:gs pos="100000">
+                        <a:srgbClr val="0070C0"/>
+                      </a:gs>
+                      <a:gs pos="0">
+                        <a:srgbClr val="1F497D">
+                          <a:lumMod val="75000"/>
+                        </a:srgbClr>
+                      </a:gs>
+                    </a:gsLst>
+                    <a:lin ang="5400000" scaled="0"/>
+                  </a:gradFill>
+                  <a:latin typeface="+mj-ea"/>
+                  <a:ea typeface="+mj-ea"/>
+                  <a:cs typeface="Arial" panose="020B0604020202020204" pitchFamily="34" charset="0"/>
+                </a:rPr>
+                <a:t> </a:t>
+              </a:r>
+              <a:r>
+                <a:rPr lang="ko-KR" altLang="en-US" sz="2000" b="1" kern="0" spc="-100" dirty="0">
+                  <a:gradFill>
+                    <a:gsLst>
+                      <a:gs pos="100000">
+                        <a:srgbClr val="0070C0"/>
+                      </a:gs>
+                      <a:gs pos="0">
+                        <a:srgbClr val="1F497D">
+                          <a:lumMod val="75000"/>
+                        </a:srgbClr>
+                      </a:gs>
+                    </a:gsLst>
+                    <a:lin ang="5400000" scaled="0"/>
+                  </a:gradFill>
+                  <a:latin typeface="+mj-ea"/>
+                  <a:ea typeface="+mj-ea"/>
+                  <a:cs typeface="Arial" panose="020B0604020202020204" pitchFamily="34" charset="0"/>
+                </a:rPr>
+                <a:t>결과를 </a:t>
+              </a:r>
+              <a:r>
+                <a:rPr lang="en-US" altLang="ko-KR" sz="2000" b="1" kern="0" spc="-100" dirty="0">
+                  <a:gradFill>
+                    <a:gsLst>
+                      <a:gs pos="100000">
+                        <a:srgbClr val="0070C0"/>
+                      </a:gs>
+                      <a:gs pos="0">
+                        <a:srgbClr val="1F497D">
+                          <a:lumMod val="75000"/>
+                        </a:srgbClr>
+                      </a:gs>
+                    </a:gsLst>
+                    <a:lin ang="5400000" scaled="0"/>
+                  </a:gradFill>
+                  <a:latin typeface="+mj-ea"/>
+                  <a:ea typeface="+mj-ea"/>
+                  <a:cs typeface="Arial" panose="020B0604020202020204" pitchFamily="34" charset="0"/>
+                </a:rPr>
+                <a:t>JSON</a:t>
+              </a:r>
+              <a:r>
+                <a:rPr lang="ko-KR" altLang="en-US" sz="2000" b="1" kern="0" spc="-100" dirty="0">
+                  <a:gradFill>
+                    <a:gsLst>
+                      <a:gs pos="100000">
+                        <a:srgbClr val="0070C0"/>
+                      </a:gs>
+                      <a:gs pos="0">
+                        <a:srgbClr val="1F497D">
+                          <a:lumMod val="75000"/>
+                        </a:srgbClr>
+                      </a:gs>
+                    </a:gsLst>
+                    <a:lin ang="5400000" scaled="0"/>
+                  </a:gradFill>
+                  <a:latin typeface="+mj-ea"/>
+                  <a:ea typeface="+mj-ea"/>
+                  <a:cs typeface="Arial" panose="020B0604020202020204" pitchFamily="34" charset="0"/>
+                </a:rPr>
+                <a:t>형식으로 반환</a:t>
+              </a:r>
+            </a:p>
+          </p:txBody>
+        </p:sp>
+        <p:sp>
+          <p:nvSpPr>
+            <p:cNvPr id="23" name="타원 22">
+              <a:extLst>
+                <a:ext uri="{FF2B5EF4-FFF2-40B4-BE49-F238E27FC236}">
+                  <a16:creationId xmlns:a16="http://schemas.microsoft.com/office/drawing/2014/main" id="{D91351F7-04BC-425D-9BE0-DDC7D65B4373}"/>
+                </a:ext>
+              </a:extLst>
+            </p:cNvPr>
+            <p:cNvSpPr/>
+            <p:nvPr/>
+          </p:nvSpPr>
+          <p:spPr bwMode="auto">
+            <a:xfrm>
+              <a:off x="447005" y="1131449"/>
+              <a:ext cx="144000" cy="144000"/>
+            </a:xfrm>
+            <a:prstGeom prst="ellipse">
+              <a:avLst/>
+            </a:prstGeom>
+            <a:solidFill>
+              <a:srgbClr val="2586F1"/>
+            </a:solidFill>
+            <a:ln w="3175">
+              <a:solidFill>
+                <a:srgbClr val="2586F1"/>
+              </a:solidFill>
+              <a:round/>
+              <a:headEnd/>
+              <a:tailEnd/>
+            </a:ln>
+          </p:spPr>
+          <p:txBody>
+            <a:bodyPr wrap="none" rtlCol="0" anchor="ctr"/>
+            <a:lstStyle/>
+            <a:p>
+              <a:pPr algn="ctr"/>
+              <a:endParaRPr lang="ko-KR" altLang="en-US" b="1" dirty="0">
+                <a:gradFill>
+                  <a:gsLst>
+                    <a:gs pos="0">
+                      <a:schemeClr val="tx1"/>
+                    </a:gs>
+                    <a:gs pos="100000">
+                      <a:schemeClr val="tx1"/>
+                    </a:gs>
+                  </a:gsLst>
+                  <a:lin ang="10800000" scaled="0"/>
+                </a:gradFill>
+              </a:endParaRPr>
+            </a:p>
+          </p:txBody>
+        </p:sp>
+      </p:grpSp>
+      <p:pic>
+        <p:nvPicPr>
+          <p:cNvPr id="1026" name="Picture 2">
+            <a:extLst>
+              <a:ext uri="{FF2B5EF4-FFF2-40B4-BE49-F238E27FC236}">
+                <a16:creationId xmlns:a16="http://schemas.microsoft.com/office/drawing/2014/main" id="{B98C7F4C-BA59-46D7-A34E-EED15CA92892}"/>
+              </a:ext>
+            </a:extLst>
+          </p:cNvPr>
+          <p:cNvPicPr>
+            <a:picLocks noChangeAspect="1" noChangeArrowheads="1"/>
+          </p:cNvPicPr>
+          <p:nvPr/>
+        </p:nvPicPr>
+        <p:blipFill>
+          <a:blip r:embed="rId3">
+            <a:extLst>
+              <a:ext uri="{28A0092B-C50C-407E-A947-70E740481C1C}">
+                <a14:useLocalDpi xmlns:a14="http://schemas.microsoft.com/office/drawing/2010/main" val="0"/>
+              </a:ext>
+            </a:extLst>
+          </a:blip>
+          <a:srcRect/>
+          <a:stretch>
+            <a:fillRect/>
+          </a:stretch>
+        </p:blipFill>
+        <p:spPr bwMode="auto">
+          <a:xfrm>
+            <a:off x="398153" y="1154120"/>
+            <a:ext cx="5328082" cy="920903"/>
           </a:xfrm>
           <a:prstGeom prst="rect">
             <a:avLst/>
           </a:prstGeom>
-          <a:solidFill>
-            <a:schemeClr val="bg1"/>
-          </a:solidFill>
-          <a:ln w="3175">
-            <a:solidFill>
-              <a:schemeClr val="tx1"/>
-            </a:solidFill>
-          </a:ln>
-          <a:effectLst>
-            <a:outerShdw blurRad="50800" dist="38100" dir="5400000" algn="t" rotWithShape="0">
-              <a:prstClr val="black">
-                <a:alpha val="40000"/>
-              </a:prstClr>
-            </a:outerShdw>
-          </a:effectLst>
+          <a:noFill/>
+          <a:extLst>
+            <a:ext uri="{909E8E84-426E-40DD-AFC4-6F175D3DCCD1}">
+              <a14:hiddenFill xmlns:a14="http://schemas.microsoft.com/office/drawing/2010/main">
+                <a:solidFill>
+                  <a:srgbClr val="FFFFFF"/>
+                </a:solidFill>
+              </a14:hiddenFill>
+            </a:ext>
+          </a:extLst>
         </p:spPr>
-        <p:style>
-          <a:lnRef idx="2">
-            <a:schemeClr val="accent1">
-              <a:shade val="50000"/>
-            </a:schemeClr>
-          </a:lnRef>
-          <a:fillRef idx="1">
-            <a:schemeClr val="accent1"/>
-          </a:fillRef>
-          <a:effectRef idx="0">
-            <a:schemeClr val="accent1"/>
-          </a:effectRef>
-          <a:fontRef idx="minor">
-            <a:schemeClr val="lt1"/>
-          </a:fontRef>
-        </p:style>
-        <p:txBody>
-          <a:bodyPr rtlCol="0" anchor="ctr"/>
-          <a:lstStyle/>
-          <a:p>
-            <a:pPr algn="ctr"/>
-            <a:endParaRPr lang="ko-KR" altLang="en-US" dirty="0"/>
-          </a:p>
-        </p:txBody>
-      </p:sp>
-      <p:sp>
-        <p:nvSpPr>
-          <p:cNvPr id="15" name="직사각형 14">
+      </p:pic>
+      <p:pic>
+        <p:nvPicPr>
+          <p:cNvPr id="1028" name="Picture 4">
             <a:extLst>
               <a:ext uri="{FF2B5EF4-FFF2-40B4-BE49-F238E27FC236}">
-                <a16:creationId xmlns:a16="http://schemas.microsoft.com/office/drawing/2014/main" id="{CB98C973-A430-4375-A1A6-7C48050BE128}"/>
+                <a16:creationId xmlns:a16="http://schemas.microsoft.com/office/drawing/2014/main" id="{551C3C78-52C9-4775-8611-BED829A928E5}"/>
               </a:ext>
             </a:extLst>
           </p:cNvPr>
-          <p:cNvSpPr/>
+          <p:cNvPicPr>
+            <a:picLocks noChangeAspect="1" noChangeArrowheads="1"/>
+          </p:cNvPicPr>
           <p:nvPr/>
-        </p:nvSpPr>
-        <p:spPr>
+        </p:nvPicPr>
+        <p:blipFill>
+          <a:blip r:embed="rId4" cstate="print">
+            <a:extLst>
+              <a:ext uri="{28A0092B-C50C-407E-A947-70E740481C1C}">
+                <a14:useLocalDpi xmlns:a14="http://schemas.microsoft.com/office/drawing/2010/main" val="0"/>
+              </a:ext>
+            </a:extLst>
+          </a:blip>
+          <a:srcRect/>
+          <a:stretch>
+            <a:fillRect/>
+          </a:stretch>
+        </p:blipFill>
+        <p:spPr bwMode="auto">
           <a:xfrm>
-            <a:off x="426897" y="1263670"/>
-            <a:ext cx="4178875" cy="360040"/>
+            <a:off x="5738639" y="877080"/>
+            <a:ext cx="2232248" cy="2758215"/>
           </a:xfrm>
           <a:prstGeom prst="rect">
             <a:avLst/>
           </a:prstGeom>
-          <a:solidFill>
-            <a:schemeClr val="accent1">
-              <a:lumMod val="50000"/>
-            </a:schemeClr>
-          </a:solidFill>
-          <a:ln w="3175">
-            <a:solidFill>
-              <a:schemeClr val="tx1"/>
-            </a:solidFill>
-          </a:ln>
-          <a:effectLst>
-            <a:outerShdw blurRad="50800" dist="38100" dir="5400000" algn="t" rotWithShape="0">
-              <a:prstClr val="black">
-                <a:alpha val="40000"/>
-              </a:prstClr>
-            </a:outerShdw>
-          </a:effectLst>
+          <a:noFill/>
+          <a:extLst>
+            <a:ext uri="{909E8E84-426E-40DD-AFC4-6F175D3DCCD1}">
+              <a14:hiddenFill xmlns:a14="http://schemas.microsoft.com/office/drawing/2010/main">
+                <a:solidFill>
+                  <a:srgbClr val="FFFFFF"/>
+                </a:solidFill>
+              </a14:hiddenFill>
+            </a:ext>
+          </a:extLst>
         </p:spPr>
-        <p:style>
-          <a:lnRef idx="2">
-            <a:schemeClr val="accent1">
-              <a:shade val="50000"/>
-            </a:schemeClr>
-          </a:lnRef>
-          <a:fillRef idx="1">
-            <a:schemeClr val="accent1"/>
-          </a:fillRef>
-          <a:effectRef idx="0">
-            <a:schemeClr val="accent1"/>
-          </a:effectRef>
-          <a:fontRef idx="minor">
-            <a:schemeClr val="lt1"/>
-          </a:fontRef>
-        </p:style>
-        <p:txBody>
-          <a:bodyPr rtlCol="0" anchor="ctr"/>
-          <a:lstStyle/>
-          <a:p>
-            <a:pPr algn="ctr"/>
-            <a:r>
-              <a:rPr lang="ko-KR" altLang="en-US" sz="1200" b="1" spc="-80"/>
-              <a:t>기존 특허</a:t>
-            </a:r>
-            <a:endParaRPr lang="ko-KR" altLang="en-US" sz="1200" b="1" spc="-80" dirty="0"/>
-          </a:p>
-        </p:txBody>
-      </p:sp>
+      </p:pic>
       <p:sp>
         <p:nvSpPr>
-          <p:cNvPr id="18" name="TextBox 17">
+          <p:cNvPr id="28" name="TextBox 27">
             <a:extLst>
               <a:ext uri="{FF2B5EF4-FFF2-40B4-BE49-F238E27FC236}">
-                <a16:creationId xmlns:a16="http://schemas.microsoft.com/office/drawing/2014/main" id="{5F9CFDEA-BC5B-4BCA-8717-ED385C1107F6}"/>
+                <a16:creationId xmlns:a16="http://schemas.microsoft.com/office/drawing/2014/main" id="{D7BA2763-87EE-4496-A1F5-F1C1ACDAADDA}"/>
               </a:ext>
             </a:extLst>
           </p:cNvPr>
@@ -10393,8 +10604,8 @@
         </p:nvSpPr>
         <p:spPr>
           <a:xfrm>
-            <a:off x="513854" y="1727835"/>
-            <a:ext cx="3777832" cy="524246"/>
+            <a:off x="398153" y="2200984"/>
+            <a:ext cx="5328082" cy="1107996"/>
           </a:xfrm>
           <a:prstGeom prst="rect">
             <a:avLst/>
@@ -10407,107 +10618,78 @@
           </a:bodyPr>
           <a:lstStyle/>
           <a:p>
-            <a:pPr marL="171450" indent="-171450">
-              <a:lnSpc>
-                <a:spcPct val="150000"/>
-              </a:lnSpc>
+            <a:pPr marL="285750" indent="-285750">
               <a:buFont typeface="Arial" panose="020B0604020202020204" pitchFamily="34" charset="0"/>
               <a:buChar char="•"/>
             </a:pPr>
             <a:r>
-              <a:rPr lang="ko-KR" altLang="en-US" sz="1000" b="1" spc="-60">
-                <a:latin typeface="+mn-ea"/>
-              </a:rPr>
-              <a:t>전체 사진에서 피쳐맵을 추출</a:t>
-            </a:r>
-            <a:endParaRPr lang="en-US" altLang="ko-KR" sz="1000" b="1" spc="-60" dirty="0">
-              <a:latin typeface="+mn-ea"/>
-            </a:endParaRPr>
-          </a:p>
-          <a:p>
-            <a:pPr>
-              <a:lnSpc>
-                <a:spcPct val="150000"/>
-              </a:lnSpc>
+              <a:rPr lang="ko-KR" altLang="en-US" sz="1600" dirty="0" err="1"/>
+              <a:t>피쳐맵</a:t>
+            </a:r>
+            <a:r>
+              <a:rPr lang="ko-KR" altLang="en-US" sz="1600" dirty="0"/>
+              <a:t> 정보가 들어있지 않은 임시 정보</a:t>
+            </a:r>
+            <a:endParaRPr lang="en-US" altLang="ko-KR" sz="1600" dirty="0"/>
+          </a:p>
+          <a:p>
+            <a:pPr marL="285750" indent="-285750">
+              <a:buFont typeface="Arial" panose="020B0604020202020204" pitchFamily="34" charset="0"/>
+              <a:buChar char="•"/>
             </a:pPr>
-            <a:endParaRPr lang="en-US" altLang="ko-KR" sz="1000" b="1" spc="-60" dirty="0">
-              <a:latin typeface="+mn-ea"/>
-            </a:endParaRPr>
+            <a:r>
+              <a:rPr lang="ko-KR" altLang="en-US" sz="1600" dirty="0"/>
+              <a:t>탐지한 객체의 </a:t>
+            </a:r>
+            <a:r>
+              <a:rPr lang="en-US" altLang="ko-KR" sz="1600" dirty="0"/>
+              <a:t>location</a:t>
+            </a:r>
+            <a:r>
+              <a:rPr lang="ko-KR" altLang="en-US" sz="1600" dirty="0"/>
+              <a:t>과 </a:t>
+            </a:r>
+            <a:r>
+              <a:rPr lang="en-US" altLang="ko-KR" sz="1600" dirty="0"/>
+              <a:t>size</a:t>
+            </a:r>
+            <a:r>
+              <a:rPr lang="ko-KR" altLang="en-US" sz="1600" dirty="0"/>
+              <a:t>정보를 이용해 그 객체를 잘라내고 잘라낸 객체들의 </a:t>
+            </a:r>
+            <a:r>
+              <a:rPr lang="en-US" altLang="ko-KR" sz="1600" dirty="0"/>
+              <a:t>size</a:t>
+            </a:r>
+            <a:r>
+              <a:rPr lang="ko-KR" altLang="en-US" sz="1600" dirty="0"/>
+              <a:t>를</a:t>
+            </a:r>
+            <a:r>
+              <a:rPr lang="en-US" altLang="ko-KR" sz="1600" dirty="0"/>
+              <a:t> </a:t>
+            </a:r>
+            <a:r>
+              <a:rPr lang="ko-KR" altLang="en-US" sz="1600" dirty="0"/>
+              <a:t>동일하게 균일화</a:t>
+            </a:r>
+            <a:endParaRPr lang="en-US" altLang="ko-KR" sz="1600" dirty="0"/>
+          </a:p>
+          <a:p>
+            <a:pPr marL="285750" indent="-285750">
+              <a:buFont typeface="Arial" panose="020B0604020202020204" pitchFamily="34" charset="0"/>
+              <a:buChar char="•"/>
+            </a:pPr>
+            <a:endParaRPr lang="ko-KR" altLang="en-US" sz="1600" dirty="0"/>
           </a:p>
         </p:txBody>
       </p:sp>
       <p:sp>
         <p:nvSpPr>
-          <p:cNvPr id="20" name="직사각형 19">
+          <p:cNvPr id="3" name="TextBox 2">
             <a:extLst>
               <a:ext uri="{FF2B5EF4-FFF2-40B4-BE49-F238E27FC236}">
-                <a16:creationId xmlns:a16="http://schemas.microsoft.com/office/drawing/2014/main" id="{92BDB70E-8EF4-4A81-B644-37100AE4B851}"/>
-              </a:ext>
-            </a:extLst>
-          </p:cNvPr>
-          <p:cNvSpPr/>
-          <p:nvPr/>
-        </p:nvSpPr>
-        <p:spPr>
-          <a:xfrm>
-            <a:off x="4639544" y="1263605"/>
-            <a:ext cx="4178875" cy="360040"/>
-          </a:xfrm>
-          <a:prstGeom prst="rect">
-            <a:avLst/>
-          </a:prstGeom>
-          <a:solidFill>
-            <a:schemeClr val="accent2">
-              <a:lumMod val="75000"/>
-            </a:schemeClr>
-          </a:solidFill>
-          <a:ln w="3175">
-            <a:solidFill>
-              <a:schemeClr val="tx1"/>
-            </a:solidFill>
-          </a:ln>
-          <a:effectLst>
-            <a:outerShdw blurRad="50800" dist="38100" dir="5400000" algn="t" rotWithShape="0">
-              <a:prstClr val="black">
-                <a:alpha val="40000"/>
-              </a:prstClr>
-            </a:outerShdw>
-          </a:effectLst>
-        </p:spPr>
-        <p:style>
-          <a:lnRef idx="2">
-            <a:schemeClr val="accent1">
-              <a:shade val="50000"/>
-            </a:schemeClr>
-          </a:lnRef>
-          <a:fillRef idx="1">
-            <a:schemeClr val="accent1"/>
-          </a:fillRef>
-          <a:effectRef idx="0">
-            <a:schemeClr val="accent1"/>
-          </a:effectRef>
-          <a:fontRef idx="minor">
-            <a:schemeClr val="lt1"/>
-          </a:fontRef>
-        </p:style>
-        <p:txBody>
-          <a:bodyPr rtlCol="0" anchor="ctr"/>
-          <a:lstStyle/>
-          <a:p>
-            <a:pPr algn="ctr"/>
-            <a:r>
-              <a:rPr lang="ko-KR" altLang="en-US" sz="1200" b="1" spc="-80" dirty="0"/>
-              <a:t>공통점</a:t>
-            </a:r>
-          </a:p>
-        </p:txBody>
-      </p:sp>
-      <p:sp>
-        <p:nvSpPr>
-          <p:cNvPr id="21" name="TextBox 20">
-            <a:extLst>
-              <a:ext uri="{FF2B5EF4-FFF2-40B4-BE49-F238E27FC236}">
-                <a16:creationId xmlns:a16="http://schemas.microsoft.com/office/drawing/2014/main" id="{E27BCA25-A422-4A67-A121-DBF0264A1343}"/>
+                <a16:creationId xmlns:a16="http://schemas.microsoft.com/office/drawing/2014/main" id="{75B6BA22-6317-4C11-87A8-17F62A0806E2}"/>
               </a:ext>
             </a:extLst>
           </p:cNvPr>
@@ -10516,8 +10698,8 @@
         </p:nvSpPr>
         <p:spPr>
           <a:xfrm>
-            <a:off x="4730228" y="1655359"/>
-            <a:ext cx="3777832" cy="2370905"/>
+            <a:off x="444412" y="4540580"/>
+            <a:ext cx="7143303" cy="1107996"/>
           </a:xfrm>
           <a:prstGeom prst="rect">
             <a:avLst/>
@@ -10530,167 +10712,291 @@
           </a:bodyPr>
           <a:lstStyle/>
           <a:p>
-            <a:pPr marL="172800" indent="-172800">
-              <a:lnSpc>
-                <a:spcPct val="150000"/>
-              </a:lnSpc>
-              <a:buFont typeface="Arial" pitchFamily="34" charset="0"/>
+            <a:pPr marL="285750" indent="-285750">
+              <a:buFont typeface="Arial" panose="020B0604020202020204" pitchFamily="34" charset="0"/>
               <a:buChar char="•"/>
             </a:pPr>
             <a:r>
-              <a:rPr lang="en-US" altLang="ko-KR" sz="1000" b="1" spc="-60" dirty="0" err="1">
-                <a:latin typeface="+mn-ea"/>
-              </a:rPr>
-              <a:t>CNN,Vit</a:t>
-            </a:r>
-            <a:r>
-              <a:rPr lang="ko-KR" altLang="en-US" sz="1000" b="1" spc="-60" dirty="0">
-                <a:latin typeface="+mn-ea"/>
-              </a:rPr>
-              <a:t> 모델에서 객체의 </a:t>
-            </a:r>
-            <a:r>
-              <a:rPr lang="ko-KR" altLang="en-US" sz="1000" b="1" spc="-60" dirty="0" err="1">
-                <a:latin typeface="+mn-ea"/>
-              </a:rPr>
-              <a:t>특징값을</a:t>
-            </a:r>
-            <a:r>
-              <a:rPr lang="ko-KR" altLang="en-US" sz="1000" b="1" spc="-60" dirty="0">
-                <a:latin typeface="+mn-ea"/>
-              </a:rPr>
-              <a:t> 얻어냄</a:t>
-            </a:r>
-            <a:endParaRPr lang="en-US" altLang="ko-KR" sz="1000" b="1" spc="-60" dirty="0">
-              <a:latin typeface="+mn-ea"/>
-            </a:endParaRPr>
-          </a:p>
-          <a:p>
-            <a:pPr marL="172800" indent="-172800">
-              <a:lnSpc>
-                <a:spcPct val="150000"/>
-              </a:lnSpc>
-              <a:buFont typeface="Arial" pitchFamily="34" charset="0"/>
+              <a:rPr lang="en-US" altLang="ko-KR" sz="1600" dirty="0"/>
+              <a:t>Annotation </a:t>
+            </a:r>
+            <a:r>
+              <a:rPr lang="ko-KR" altLang="en-US" sz="1600" dirty="0"/>
+              <a:t>계속 진행</a:t>
+            </a:r>
+            <a:endParaRPr lang="en-US" altLang="ko-KR" sz="1600" dirty="0"/>
+          </a:p>
+          <a:p>
+            <a:pPr marL="285750" indent="-285750">
+              <a:buFont typeface="Arial" panose="020B0604020202020204" pitchFamily="34" charset="0"/>
               <a:buChar char="•"/>
             </a:pPr>
             <a:r>
-              <a:rPr lang="ko-KR" altLang="en-US" sz="1000" b="1" spc="-60" dirty="0">
-                <a:latin typeface="+mn-ea"/>
-              </a:rPr>
-              <a:t>이미지 유사도 계산</a:t>
-            </a:r>
-            <a:endParaRPr lang="en-US" altLang="ko-KR" sz="1000" b="1" spc="-60" dirty="0">
-              <a:latin typeface="+mn-ea"/>
-            </a:endParaRPr>
-          </a:p>
-          <a:p>
-            <a:pPr marL="172800" indent="-172800">
-              <a:lnSpc>
-                <a:spcPct val="150000"/>
-              </a:lnSpc>
-              <a:buFont typeface="Arial" pitchFamily="34" charset="0"/>
-              <a:buChar char="•"/>
-            </a:pPr>
-            <a:r>
-              <a:rPr lang="ko-KR" altLang="en-US" sz="1000" b="1" spc="-60" dirty="0">
-                <a:latin typeface="+mn-ea"/>
-              </a:rPr>
-              <a:t>이미지 파일에서 여러 객체를 식별</a:t>
-            </a:r>
-            <a:endParaRPr lang="en-US" altLang="ko-KR" sz="1000" b="1" spc="-60" dirty="0">
-              <a:latin typeface="+mn-ea"/>
-            </a:endParaRPr>
-          </a:p>
-          <a:p>
-            <a:pPr marL="172800" indent="-172800">
-              <a:lnSpc>
-                <a:spcPct val="150000"/>
-              </a:lnSpc>
-              <a:buFont typeface="Arial" pitchFamily="34" charset="0"/>
-              <a:buChar char="•"/>
-            </a:pPr>
-            <a:r>
-              <a:rPr lang="ko-KR" altLang="en-US" sz="1000" b="1" spc="-60" dirty="0">
-                <a:latin typeface="+mn-ea"/>
-              </a:rPr>
-              <a:t>식별된 객체 중 하나를 </a:t>
-            </a:r>
-            <a:r>
-              <a:rPr lang="en-US" altLang="ko-KR" sz="1000" b="1" spc="-60" dirty="0">
-                <a:latin typeface="+mn-ea"/>
-              </a:rPr>
-              <a:t>positive object</a:t>
-            </a:r>
-            <a:r>
-              <a:rPr lang="ko-KR" altLang="en-US" sz="1000" b="1" spc="-60" dirty="0">
-                <a:latin typeface="+mn-ea"/>
-              </a:rPr>
-              <a:t>로 지정하면 관련검색 결과를 보여줌</a:t>
-            </a:r>
-            <a:endParaRPr lang="en-US" altLang="ko-KR" sz="1000" b="1" spc="-60" dirty="0">
-              <a:latin typeface="+mn-ea"/>
-            </a:endParaRPr>
-          </a:p>
-          <a:p>
-            <a:pPr marL="172800" indent="-172800">
-              <a:lnSpc>
-                <a:spcPct val="150000"/>
-              </a:lnSpc>
-              <a:buFont typeface="Arial" pitchFamily="34" charset="0"/>
-              <a:buChar char="•"/>
-            </a:pPr>
-            <a:endParaRPr lang="en-US" altLang="ko-KR" sz="1000" b="1" spc="-60" dirty="0">
-              <a:latin typeface="+mn-ea"/>
-            </a:endParaRPr>
-          </a:p>
-          <a:p>
-            <a:pPr marL="172800" indent="-172800">
-              <a:lnSpc>
-                <a:spcPct val="150000"/>
-              </a:lnSpc>
-              <a:buFont typeface="Arial" pitchFamily="34" charset="0"/>
-              <a:buChar char="•"/>
-            </a:pPr>
-            <a:endParaRPr lang="en-US" altLang="ko-KR" sz="1000" b="1" spc="-60" dirty="0">
-              <a:latin typeface="+mn-ea"/>
-            </a:endParaRPr>
-          </a:p>
-          <a:p>
-            <a:pPr marL="172800" indent="-172800">
-              <a:lnSpc>
-                <a:spcPct val="150000"/>
-              </a:lnSpc>
-              <a:buFont typeface="Arial" pitchFamily="34" charset="0"/>
-              <a:buChar char="•"/>
-            </a:pPr>
-            <a:endParaRPr lang="en-US" altLang="ko-KR" sz="1000" b="1" spc="-60" dirty="0">
-              <a:latin typeface="+mn-ea"/>
-            </a:endParaRPr>
-          </a:p>
-          <a:p>
-            <a:pPr marL="172800" indent="-172800">
-              <a:lnSpc>
-                <a:spcPct val="150000"/>
-              </a:lnSpc>
-              <a:buFont typeface="Arial" pitchFamily="34" charset="0"/>
-              <a:buChar char="•"/>
-            </a:pPr>
-            <a:endParaRPr lang="en-US" altLang="ko-KR" sz="1000" b="1" spc="-60" dirty="0">
-              <a:latin typeface="+mn-ea"/>
-            </a:endParaRPr>
-          </a:p>
-          <a:p>
-            <a:pPr>
-              <a:lnSpc>
-                <a:spcPct val="150000"/>
-              </a:lnSpc>
-            </a:pPr>
-            <a:endParaRPr lang="en-US" altLang="ko-KR" sz="1000" b="1" spc="-60" dirty="0">
-              <a:latin typeface="+mn-ea"/>
-            </a:endParaRPr>
+              <a:rPr lang="ko-KR" altLang="en-US" sz="1600" dirty="0"/>
+              <a:t>사자</a:t>
+            </a:r>
+            <a:r>
+              <a:rPr lang="en-US" altLang="ko-KR" sz="1600" dirty="0"/>
+              <a:t>, </a:t>
+            </a:r>
+            <a:r>
+              <a:rPr lang="ko-KR" altLang="en-US" sz="1600" dirty="0"/>
+              <a:t>호랑이</a:t>
+            </a:r>
+            <a:r>
+              <a:rPr lang="en-US" altLang="ko-KR" sz="1600" dirty="0"/>
+              <a:t>, </a:t>
+            </a:r>
+            <a:r>
+              <a:rPr lang="ko-KR" altLang="en-US" sz="1600" dirty="0"/>
+              <a:t>늑대</a:t>
+            </a:r>
+            <a:r>
+              <a:rPr lang="en-US" altLang="ko-KR" sz="1600" dirty="0"/>
+              <a:t>, </a:t>
+            </a:r>
+            <a:r>
+              <a:rPr lang="ko-KR" altLang="en-US" sz="1600" dirty="0"/>
+              <a:t>치타</a:t>
+            </a:r>
+            <a:r>
+              <a:rPr lang="en-US" altLang="ko-KR" sz="1600" dirty="0"/>
+              <a:t> </a:t>
+            </a:r>
+            <a:r>
+              <a:rPr lang="ko-KR" altLang="en-US" sz="1600" dirty="0"/>
+              <a:t>이미지로 구성된 데이터셋에 대해 </a:t>
+            </a:r>
+            <a:r>
+              <a:rPr lang="en-US" altLang="ko-KR" sz="1600" dirty="0"/>
+              <a:t>Autoencoder </a:t>
+            </a:r>
+            <a:r>
+              <a:rPr lang="ko-KR" altLang="en-US" sz="1600" dirty="0"/>
+              <a:t>모델링 </a:t>
+            </a:r>
+            <a:r>
+              <a:rPr lang="en-US" altLang="ko-KR" sz="1600" dirty="0"/>
+              <a:t>&gt;&gt; annotation </a:t>
+            </a:r>
+            <a:r>
+              <a:rPr lang="ko-KR" altLang="en-US" sz="1600" dirty="0"/>
+              <a:t>완료 후</a:t>
+            </a:r>
+            <a:r>
+              <a:rPr lang="en-US" altLang="ko-KR" sz="1600" dirty="0"/>
+              <a:t>, </a:t>
+            </a:r>
+            <a:r>
+              <a:rPr lang="ko-KR" altLang="en-US" sz="1600" dirty="0"/>
+              <a:t>가구 객체에 대해 </a:t>
+            </a:r>
+            <a:r>
+              <a:rPr lang="ko-KR" altLang="en-US" sz="1600" dirty="0" err="1"/>
+              <a:t>재학습</a:t>
+            </a:r>
+            <a:endParaRPr lang="en-US" altLang="ko-KR" sz="1600" dirty="0"/>
+          </a:p>
+          <a:p>
+            <a:endParaRPr lang="ko-KR" altLang="en-US" sz="1600" dirty="0"/>
           </a:p>
         </p:txBody>
       </p:sp>
+      <p:grpSp>
+        <p:nvGrpSpPr>
+          <p:cNvPr id="29" name="그룹 28">
+            <a:extLst>
+              <a:ext uri="{FF2B5EF4-FFF2-40B4-BE49-F238E27FC236}">
+                <a16:creationId xmlns:a16="http://schemas.microsoft.com/office/drawing/2014/main" id="{AF6B9C99-F75D-420B-A113-58B76C94C7DD}"/>
+              </a:ext>
+            </a:extLst>
+          </p:cNvPr>
+          <p:cNvGrpSpPr/>
+          <p:nvPr/>
+        </p:nvGrpSpPr>
+        <p:grpSpPr>
+          <a:xfrm>
+            <a:off x="323850" y="4031666"/>
+            <a:ext cx="7392856" cy="400110"/>
+            <a:chOff x="447005" y="993926"/>
+            <a:chExt cx="7392856" cy="400110"/>
+          </a:xfrm>
+        </p:grpSpPr>
+        <p:sp>
+          <p:nvSpPr>
+            <p:cNvPr id="30" name="직사각형 29">
+              <a:extLst>
+                <a:ext uri="{FF2B5EF4-FFF2-40B4-BE49-F238E27FC236}">
+                  <a16:creationId xmlns:a16="http://schemas.microsoft.com/office/drawing/2014/main" id="{B8943986-4844-43E5-8326-3448F0A43277}"/>
+                </a:ext>
+              </a:extLst>
+            </p:cNvPr>
+            <p:cNvSpPr/>
+            <p:nvPr/>
+          </p:nvSpPr>
+          <p:spPr>
+            <a:xfrm>
+              <a:off x="639861" y="993926"/>
+              <a:ext cx="7200000" cy="400110"/>
+            </a:xfrm>
+            <a:prstGeom prst="rect">
+              <a:avLst/>
+            </a:prstGeom>
+          </p:spPr>
+          <p:txBody>
+            <a:bodyPr wrap="square">
+              <a:spAutoFit/>
+            </a:bodyPr>
+            <a:lstStyle/>
+            <a:p>
+              <a:pPr defTabSz="1330325">
+                <a:spcAft>
+                  <a:spcPts val="600"/>
+                </a:spcAft>
+                <a:buSzPct val="100000"/>
+                <a:defRPr/>
+              </a:pPr>
+              <a:r>
+                <a:rPr lang="en-US" altLang="ko-KR" sz="2000" b="1" kern="0" spc="-100" dirty="0">
+                  <a:gradFill>
+                    <a:gsLst>
+                      <a:gs pos="100000">
+                        <a:srgbClr val="0070C0"/>
+                      </a:gs>
+                      <a:gs pos="0">
+                        <a:srgbClr val="1F497D">
+                          <a:lumMod val="75000"/>
+                        </a:srgbClr>
+                      </a:gs>
+                    </a:gsLst>
+                    <a:lin ang="5400000" scaled="0"/>
+                  </a:gradFill>
+                  <a:latin typeface="+mj-ea"/>
+                  <a:ea typeface="+mj-ea"/>
+                  <a:cs typeface="Arial" panose="020B0604020202020204" pitchFamily="34" charset="0"/>
+                </a:rPr>
+                <a:t>Annotation</a:t>
+              </a:r>
+              <a:r>
+                <a:rPr lang="ko-KR" altLang="en-US" sz="2000" b="1" kern="0" spc="-100" dirty="0">
+                  <a:gradFill>
+                    <a:gsLst>
+                      <a:gs pos="100000">
+                        <a:srgbClr val="0070C0"/>
+                      </a:gs>
+                      <a:gs pos="0">
+                        <a:srgbClr val="1F497D">
+                          <a:lumMod val="75000"/>
+                        </a:srgbClr>
+                      </a:gs>
+                    </a:gsLst>
+                    <a:lin ang="5400000" scaled="0"/>
+                  </a:gradFill>
+                  <a:latin typeface="+mj-ea"/>
+                  <a:ea typeface="+mj-ea"/>
+                  <a:cs typeface="Arial" panose="020B0604020202020204" pitchFamily="34" charset="0"/>
+                </a:rPr>
+                <a:t>과 </a:t>
+              </a:r>
+              <a:r>
+                <a:rPr lang="ko-KR" altLang="en-US" sz="2000" b="1" kern="0" spc="-100" dirty="0" err="1">
+                  <a:gradFill>
+                    <a:gsLst>
+                      <a:gs pos="100000">
+                        <a:srgbClr val="0070C0"/>
+                      </a:gs>
+                      <a:gs pos="0">
+                        <a:srgbClr val="1F497D">
+                          <a:lumMod val="75000"/>
+                        </a:srgbClr>
+                      </a:gs>
+                    </a:gsLst>
+                    <a:lin ang="5400000" scaled="0"/>
+                  </a:gradFill>
+                  <a:latin typeface="+mj-ea"/>
+                  <a:ea typeface="+mj-ea"/>
+                  <a:cs typeface="Arial" panose="020B0604020202020204" pitchFamily="34" charset="0"/>
+                </a:rPr>
+                <a:t>오토인코더</a:t>
+              </a:r>
+              <a:r>
+                <a:rPr lang="ko-KR" altLang="en-US" sz="2000" b="1" kern="0" spc="-100" dirty="0">
+                  <a:gradFill>
+                    <a:gsLst>
+                      <a:gs pos="100000">
+                        <a:srgbClr val="0070C0"/>
+                      </a:gs>
+                      <a:gs pos="0">
+                        <a:srgbClr val="1F497D">
+                          <a:lumMod val="75000"/>
+                        </a:srgbClr>
+                      </a:gs>
+                    </a:gsLst>
+                    <a:lin ang="5400000" scaled="0"/>
+                  </a:gradFill>
+                  <a:latin typeface="+mj-ea"/>
+                  <a:ea typeface="+mj-ea"/>
+                  <a:cs typeface="Arial" panose="020B0604020202020204" pitchFamily="34" charset="0"/>
+                </a:rPr>
+                <a:t> 모델링</a:t>
+              </a:r>
+            </a:p>
+          </p:txBody>
+        </p:sp>
+        <p:sp>
+          <p:nvSpPr>
+            <p:cNvPr id="31" name="타원 30">
+              <a:extLst>
+                <a:ext uri="{FF2B5EF4-FFF2-40B4-BE49-F238E27FC236}">
+                  <a16:creationId xmlns:a16="http://schemas.microsoft.com/office/drawing/2014/main" id="{39CCB3B7-9AB1-45E1-A095-B66DD3E59437}"/>
+                </a:ext>
+              </a:extLst>
+            </p:cNvPr>
+            <p:cNvSpPr/>
+            <p:nvPr/>
+          </p:nvSpPr>
+          <p:spPr bwMode="auto">
+            <a:xfrm>
+              <a:off x="447005" y="1131449"/>
+              <a:ext cx="144000" cy="144000"/>
+            </a:xfrm>
+            <a:prstGeom prst="ellipse">
+              <a:avLst/>
+            </a:prstGeom>
+            <a:solidFill>
+              <a:srgbClr val="2586F1"/>
+            </a:solidFill>
+            <a:ln w="3175">
+              <a:solidFill>
+                <a:srgbClr val="2586F1"/>
+              </a:solidFill>
+              <a:round/>
+              <a:headEnd/>
+              <a:tailEnd/>
+            </a:ln>
+          </p:spPr>
+          <p:txBody>
+            <a:bodyPr wrap="none" rtlCol="0" anchor="ctr"/>
+            <a:lstStyle/>
+            <a:p>
+              <a:pPr algn="ctr"/>
+              <a:endParaRPr lang="ko-KR" altLang="en-US" b="1" dirty="0">
+                <a:gradFill>
+                  <a:gsLst>
+                    <a:gs pos="0">
+                      <a:schemeClr val="tx1"/>
+                    </a:gs>
+                    <a:gs pos="100000">
+                      <a:schemeClr val="tx1"/>
+                    </a:gs>
+                  </a:gsLst>
+                  <a:lin ang="10800000" scaled="0"/>
+                </a:gradFill>
+              </a:endParaRPr>
+            </a:p>
+          </p:txBody>
+        </p:sp>
+      </p:grpSp>
     </p:spTree>
     <p:extLst>
       <p:ext uri="{BB962C8B-B14F-4D97-AF65-F5344CB8AC3E}">
